--- a/2-Extended/Cognitive Lab 2 - Chatbot Extended.pptx
+++ b/2-Extended/Cognitive Lab 2 - Chatbot Extended.pptx
@@ -268,7 +268,7 @@
             <a:fld id="{B39099E1-2F6C-1143-9DF8-8ECBCD01D041}" type="datetimeFigureOut">
               <a:rPr lang="en-US" smtClean="0"/>
               <a:pPr/>
-              <a:t>6/28/18</a:t>
+              <a:t>7/2/18</a:t>
             </a:fld>
             <a:endParaRPr lang="en-US"/>
           </a:p>
@@ -5249,7 +5249,7 @@
           <a:p>
             <a:fld id="{B4F4939B-B8E4-4846-BA65-70B7915F55E2}" type="datetimeFigureOut">
               <a:rPr lang="en-US" smtClean="0"/>
-              <a:t>6/28/18</a:t>
+              <a:t>7/2/18</a:t>
             </a:fld>
             <a:endParaRPr lang="en-US"/>
           </a:p>
@@ -7872,13 +7872,13 @@
               <a:defRPr/>
             </a:pPr>
             <a:r>
-              <a:rPr lang="en-US" sz="1400" dirty="0">
+              <a:rPr lang="en-US" sz="1400">
                 <a:solidFill>
                   <a:schemeClr val="tx2"/>
                 </a:solidFill>
                 <a:latin typeface="IBM Plex Sans" panose="020B0503050203000203" pitchFamily="34" charset="77"/>
               </a:rPr>
-              <a:t>extract </a:t>
+              <a:t>extracts </a:t>
             </a:r>
             <a:r>
               <a:rPr lang="en-US" sz="1400" b="1" dirty="0">
@@ -8669,7 +8669,7 @@
           <a:effectLst/>
           <a:extLst>
             <a:ext uri="{AF507438-7753-43e0-B8FC-AC1667EBCBE1}">
-              <a14:hiddenEffects xmlns:a14="http://schemas.microsoft.com/office/drawing/2010/main" xmlns="">
+              <a14:hiddenEffects xmlns="" xmlns:a14="http://schemas.microsoft.com/office/drawing/2010/main">
                 <a:effectLst>
                   <a:outerShdw blurRad="63500" dist="38099" dir="2700000" algn="ctr" rotWithShape="0">
                     <a:schemeClr val="bg2">
@@ -8719,7 +8719,7 @@
           <a:effectLst/>
           <a:extLst>
             <a:ext uri="{AF507438-7753-43e0-B8FC-AC1667EBCBE1}">
-              <a14:hiddenEffects xmlns:a14="http://schemas.microsoft.com/office/drawing/2010/main" xmlns="">
+              <a14:hiddenEffects xmlns="" xmlns:a14="http://schemas.microsoft.com/office/drawing/2010/main">
                 <a:effectLst>
                   <a:outerShdw blurRad="63500" dist="38099" dir="2700000" algn="ctr" rotWithShape="0">
                     <a:schemeClr val="bg2">
@@ -8769,7 +8769,7 @@
           <a:effectLst/>
           <a:extLst>
             <a:ext uri="{AF507438-7753-43e0-B8FC-AC1667EBCBE1}">
-              <a14:hiddenEffects xmlns:a14="http://schemas.microsoft.com/office/drawing/2010/main" xmlns="">
+              <a14:hiddenEffects xmlns="" xmlns:a14="http://schemas.microsoft.com/office/drawing/2010/main">
                 <a:effectLst>
                   <a:outerShdw blurRad="63500" dist="38099" dir="2700000" algn="ctr" rotWithShape="0">
                     <a:schemeClr val="bg2">
@@ -8819,7 +8819,7 @@
           <a:effectLst/>
           <a:extLst>
             <a:ext uri="{AF507438-7753-43e0-B8FC-AC1667EBCBE1}">
-              <a14:hiddenEffects xmlns:a14="http://schemas.microsoft.com/office/drawing/2010/main" xmlns="">
+              <a14:hiddenEffects xmlns="" xmlns:a14="http://schemas.microsoft.com/office/drawing/2010/main">
                 <a:effectLst>
                   <a:outerShdw blurRad="63500" dist="38099" dir="2700000" algn="ctr" rotWithShape="0">
                     <a:schemeClr val="bg2">
@@ -11791,7 +11791,7 @@
           </a:ln>
           <a:extLst>
             <a:ext uri="{AF507438-7753-43e0-B8FC-AC1667EBCBE1}">
-              <a14:hiddenEffects xmlns:a14="http://schemas.microsoft.com/office/drawing/2010/main" xmlns="">
+              <a14:hiddenEffects xmlns="" xmlns:a14="http://schemas.microsoft.com/office/drawing/2010/main">
                 <a:effectLst>
                   <a:outerShdw blurRad="63500" dist="38099" dir="2700000" algn="ctr" rotWithShape="0">
                     <a:schemeClr val="bg2">
